--- a/Modules/11_PBIEmbeddedIntro/Slides.pptx
+++ b/Modules/11_PBIEmbeddedIntro/Slides.pptx
@@ -5,45 +5,44 @@
     <p:sldMasterId id="2147483648" r:id="rId5"/>
   </p:sldMasterIdLst>
   <p:notesMasterIdLst>
-    <p:notesMasterId r:id="rId39"/>
+    <p:notesMasterId r:id="rId38"/>
   </p:notesMasterIdLst>
   <p:handoutMasterIdLst>
-    <p:handoutMasterId r:id="rId40"/>
+    <p:handoutMasterId r:id="rId39"/>
   </p:handoutMasterIdLst>
   <p:sldIdLst>
     <p:sldId id="279" r:id="rId6"/>
     <p:sldId id="281" r:id="rId7"/>
-    <p:sldId id="282" r:id="rId8"/>
-    <p:sldId id="283" r:id="rId9"/>
-    <p:sldId id="284" r:id="rId10"/>
-    <p:sldId id="285" r:id="rId11"/>
-    <p:sldId id="286" r:id="rId12"/>
-    <p:sldId id="287" r:id="rId13"/>
-    <p:sldId id="288" r:id="rId14"/>
-    <p:sldId id="289" r:id="rId15"/>
-    <p:sldId id="290" r:id="rId16"/>
-    <p:sldId id="291" r:id="rId17"/>
-    <p:sldId id="292" r:id="rId18"/>
-    <p:sldId id="293" r:id="rId19"/>
-    <p:sldId id="294" r:id="rId20"/>
-    <p:sldId id="295" r:id="rId21"/>
-    <p:sldId id="296" r:id="rId22"/>
-    <p:sldId id="297" r:id="rId23"/>
-    <p:sldId id="298" r:id="rId24"/>
-    <p:sldId id="299" r:id="rId25"/>
-    <p:sldId id="300" r:id="rId26"/>
-    <p:sldId id="301" r:id="rId27"/>
-    <p:sldId id="302" r:id="rId28"/>
-    <p:sldId id="303" r:id="rId29"/>
-    <p:sldId id="304" r:id="rId30"/>
-    <p:sldId id="305" r:id="rId31"/>
-    <p:sldId id="306" r:id="rId32"/>
-    <p:sldId id="307" r:id="rId33"/>
-    <p:sldId id="308" r:id="rId34"/>
-    <p:sldId id="309" r:id="rId35"/>
-    <p:sldId id="310" r:id="rId36"/>
-    <p:sldId id="311" r:id="rId37"/>
-    <p:sldId id="313" r:id="rId38"/>
+    <p:sldId id="283" r:id="rId8"/>
+    <p:sldId id="284" r:id="rId9"/>
+    <p:sldId id="285" r:id="rId10"/>
+    <p:sldId id="286" r:id="rId11"/>
+    <p:sldId id="287" r:id="rId12"/>
+    <p:sldId id="288" r:id="rId13"/>
+    <p:sldId id="289" r:id="rId14"/>
+    <p:sldId id="290" r:id="rId15"/>
+    <p:sldId id="291" r:id="rId16"/>
+    <p:sldId id="292" r:id="rId17"/>
+    <p:sldId id="293" r:id="rId18"/>
+    <p:sldId id="294" r:id="rId19"/>
+    <p:sldId id="295" r:id="rId20"/>
+    <p:sldId id="296" r:id="rId21"/>
+    <p:sldId id="297" r:id="rId22"/>
+    <p:sldId id="298" r:id="rId23"/>
+    <p:sldId id="299" r:id="rId24"/>
+    <p:sldId id="300" r:id="rId25"/>
+    <p:sldId id="301" r:id="rId26"/>
+    <p:sldId id="302" r:id="rId27"/>
+    <p:sldId id="303" r:id="rId28"/>
+    <p:sldId id="304" r:id="rId29"/>
+    <p:sldId id="305" r:id="rId30"/>
+    <p:sldId id="306" r:id="rId31"/>
+    <p:sldId id="307" r:id="rId32"/>
+    <p:sldId id="308" r:id="rId33"/>
+    <p:sldId id="309" r:id="rId34"/>
+    <p:sldId id="310" r:id="rId35"/>
+    <p:sldId id="311" r:id="rId36"/>
+    <p:sldId id="313" r:id="rId37"/>
   </p:sldIdLst>
   <p:sldSz cx="9144000" cy="6858000" type="screen4x3"/>
   <p:notesSz cx="7315200" cy="9601200"/>
@@ -745,7 +744,7 @@
     </p:spTree>
     <p:extLst>
       <p:ext uri="{BB962C8B-B14F-4D97-AF65-F5344CB8AC3E}">
-        <p14:creationId xmlns:p14="http://schemas.microsoft.com/office/powerpoint/2010/main" val="2394980987"/>
+        <p14:creationId xmlns:p14="http://schemas.microsoft.com/office/powerpoint/2010/main" val="1821522824"/>
       </p:ext>
     </p:extLst>
   </p:cSld>
@@ -756,92 +755,6 @@
 </file>
 
 <file path=ppt/notesSlides/notesSlide11.xml><?xml version="1.0" encoding="utf-8"?>
-<p:notes xmlns:a="http://schemas.openxmlformats.org/drawingml/2006/main" xmlns:r="http://schemas.openxmlformats.org/officeDocument/2006/relationships" xmlns:p="http://schemas.openxmlformats.org/presentationml/2006/main">
-  <p:cSld>
-    <p:spTree>
-      <p:nvGrpSpPr>
-        <p:cNvPr id="1" name=""/>
-        <p:cNvGrpSpPr/>
-        <p:nvPr/>
-      </p:nvGrpSpPr>
-      <p:grpSpPr>
-        <a:xfrm>
-          <a:off x="0" y="0"/>
-          <a:ext cx="0" cy="0"/>
-          <a:chOff x="0" y="0"/>
-          <a:chExt cx="0" cy="0"/>
-        </a:xfrm>
-      </p:grpSpPr>
-      <p:sp>
-        <p:nvSpPr>
-          <p:cNvPr id="2" name="Slide Image Placeholder 1"/>
-          <p:cNvSpPr>
-            <a:spLocks noGrp="1" noRot="1" noChangeAspect="1"/>
-          </p:cNvSpPr>
-          <p:nvPr>
-            <p:ph type="sldImg"/>
-          </p:nvPr>
-        </p:nvSpPr>
-        <p:spPr/>
-      </p:sp>
-      <p:sp>
-        <p:nvSpPr>
-          <p:cNvPr id="3" name="Notes Placeholder 2"/>
-          <p:cNvSpPr>
-            <a:spLocks noGrp="1"/>
-          </p:cNvSpPr>
-          <p:nvPr>
-            <p:ph type="body" idx="1"/>
-          </p:nvPr>
-        </p:nvSpPr>
-        <p:spPr/>
-        <p:txBody>
-          <a:bodyPr/>
-          <a:lstStyle/>
-          <a:p>
-            <a:pPr marL="0" marR="0" indent="0" algn="l" defTabSz="914400" rtl="0" eaLnBrk="1" fontAlgn="auto" latinLnBrk="0" hangingPunct="1">
-              <a:lnSpc>
-                <a:spcPct val="100000"/>
-              </a:lnSpc>
-              <a:spcBef>
-                <a:spcPts val="0"/>
-              </a:spcBef>
-              <a:spcAft>
-                <a:spcPts val="0"/>
-              </a:spcAft>
-              <a:buClrTx/>
-              <a:buSzTx/>
-              <a:buFontTx/>
-              <a:buNone/>
-              <a:tabLst/>
-              <a:defRPr/>
-            </a:pPr>
-            <a:endParaRPr lang="en-US" sz="1200" kern="1200" baseline="0" dirty="0">
-              <a:solidFill>
-                <a:schemeClr val="tx1"/>
-              </a:solidFill>
-              <a:effectLst/>
-              <a:latin typeface="+mn-lt"/>
-              <a:ea typeface="+mn-ea"/>
-              <a:cs typeface="+mn-cs"/>
-            </a:endParaRPr>
-          </a:p>
-        </p:txBody>
-      </p:sp>
-    </p:spTree>
-    <p:extLst>
-      <p:ext uri="{BB962C8B-B14F-4D97-AF65-F5344CB8AC3E}">
-        <p14:creationId xmlns:p14="http://schemas.microsoft.com/office/powerpoint/2010/main" val="1821522824"/>
-      </p:ext>
-    </p:extLst>
-  </p:cSld>
-  <p:clrMapOvr>
-    <a:masterClrMapping/>
-  </p:clrMapOvr>
-</p:notes>
-</file>
-
-<file path=ppt/notesSlides/notesSlide12.xml><?xml version="1.0" encoding="utf-8"?>
 <p:notes xmlns:a="http://schemas.openxmlformats.org/drawingml/2006/main" xmlns:r="http://schemas.openxmlformats.org/officeDocument/2006/relationships" xmlns:p="http://schemas.openxmlformats.org/presentationml/2006/main">
   <p:cSld>
     <p:spTree>
@@ -1055,90 +968,18 @@
         <p:spPr/>
         <p:txBody>
           <a:bodyPr>
-            <a:normAutofit fontScale="70000" lnSpcReduction="20000"/>
+            <a:normAutofit/>
           </a:bodyPr>
           <a:lstStyle/>
           <a:p>
-            <a:r>
-              <a:rPr lang="en-US" sz="2400" dirty="0"/>
-              <a:t>Power BI is a c</a:t>
-            </a:r>
-            <a:r>
-              <a:rPr lang="en-US" sz="2000" dirty="0"/>
-              <a:t>loud-based subscription service from which provides business users</a:t>
-            </a:r>
-            <a:r>
-              <a:rPr lang="en-US" sz="2000" baseline="0" dirty="0"/>
-              <a:t> with an e</a:t>
-            </a:r>
-            <a:r>
-              <a:rPr lang="en-US" sz="2000" dirty="0"/>
-              <a:t>nvironment participate in self-service BI.</a:t>
-            </a:r>
-            <a:r>
-              <a:rPr lang="en-US" sz="2000" baseline="0" dirty="0"/>
-              <a:t> For ad-hoc scenarios is provides an end user with a straight-forward manner to import and analyze and to visualize insights from that data. To system integrators and data professionals, Power BI represents a p</a:t>
-            </a:r>
-            <a:r>
-              <a:rPr lang="en-US" sz="2000" dirty="0"/>
-              <a:t>latform for creating business solutions that assists with data analysis and insight visualization.</a:t>
-            </a:r>
-          </a:p>
-          <a:p>
-            <a:endParaRPr lang="en-US" sz="2400" dirty="0"/>
-          </a:p>
-          <a:p>
-            <a:r>
-              <a:rPr lang="en-US" sz="2400" dirty="0"/>
-              <a:t>Because Power BI benefits is a cloud-based service, a new user can subscribe</a:t>
-            </a:r>
-            <a:r>
-              <a:rPr lang="en-US" sz="2400" baseline="0" dirty="0"/>
-              <a:t> in under a minute. Another important goal of the Power BI team at Microsoft was to remove dependencies so that new users can quickly begin importing data and creating visuals using nothing more than the browser. </a:t>
-            </a:r>
-            <a:endParaRPr lang="en-US" sz="2400" dirty="0"/>
-          </a:p>
-          <a:p>
-            <a:pPr lvl="1"/>
-            <a:endParaRPr lang="en-US" sz="2000" dirty="0"/>
-          </a:p>
-          <a:p>
-            <a:r>
-              <a:rPr lang="en-US" sz="2400" dirty="0"/>
-              <a:t>As of March</a:t>
-            </a:r>
-            <a:r>
-              <a:rPr lang="en-US" sz="2400" baseline="0" dirty="0"/>
-              <a:t> 2016, the </a:t>
-            </a:r>
-            <a:r>
-              <a:rPr lang="en-US" sz="2400" dirty="0"/>
-              <a:t>Power BI service has experience strong</a:t>
-            </a:r>
-            <a:r>
-              <a:rPr lang="en-US" sz="2400" baseline="0" dirty="0"/>
-              <a:t> a</a:t>
-            </a:r>
-            <a:r>
-              <a:rPr lang="en-US" sz="2400" dirty="0"/>
-              <a:t>doption numbers. The Power BI service has surpassed </a:t>
-            </a:r>
-            <a:r>
-              <a:rPr lang="en-US" sz="2000" dirty="0"/>
-              <a:t>5 million subscribers who come from over 200,000 different organizations. The Power BI service subscribers come from many different countries and take advantage of the fact that the Power BI service has been localized for over 40 different</a:t>
-            </a:r>
-            <a:r>
-              <a:rPr lang="en-US" sz="2000" baseline="0" dirty="0"/>
-              <a:t> languages.</a:t>
-            </a:r>
-            <a:endParaRPr lang="en-US" sz="2000" dirty="0"/>
+            <a:endParaRPr lang="en-US" dirty="0"/>
           </a:p>
         </p:txBody>
       </p:sp>
     </p:spTree>
     <p:extLst>
       <p:ext uri="{BB962C8B-B14F-4D97-AF65-F5344CB8AC3E}">
-        <p14:creationId xmlns:p14="http://schemas.microsoft.com/office/powerpoint/2010/main" val="3518622466"/>
+        <p14:creationId xmlns:p14="http://schemas.microsoft.com/office/powerpoint/2010/main" val="3245890631"/>
       </p:ext>
     </p:extLst>
   </p:cSld>
@@ -1189,19 +1030,42 @@
         </p:nvSpPr>
         <p:spPr/>
         <p:txBody>
-          <a:bodyPr>
-            <a:normAutofit/>
-          </a:bodyPr>
+          <a:bodyPr/>
           <a:lstStyle/>
           <a:p>
-            <a:endParaRPr lang="en-US" dirty="0"/>
+            <a:pPr marL="0" marR="0" indent="0" algn="l" defTabSz="914400" rtl="0" eaLnBrk="1" fontAlgn="auto" latinLnBrk="0" hangingPunct="1">
+              <a:lnSpc>
+                <a:spcPct val="100000"/>
+              </a:lnSpc>
+              <a:spcBef>
+                <a:spcPts val="0"/>
+              </a:spcBef>
+              <a:spcAft>
+                <a:spcPts val="0"/>
+              </a:spcAft>
+              <a:buClrTx/>
+              <a:buSzTx/>
+              <a:buFontTx/>
+              <a:buNone/>
+              <a:tabLst/>
+              <a:defRPr/>
+            </a:pPr>
+            <a:endParaRPr lang="en-US" sz="1200" kern="1200" baseline="0" dirty="0">
+              <a:solidFill>
+                <a:schemeClr val="tx1"/>
+              </a:solidFill>
+              <a:effectLst/>
+              <a:latin typeface="+mn-lt"/>
+              <a:ea typeface="+mn-ea"/>
+              <a:cs typeface="+mn-cs"/>
+            </a:endParaRPr>
           </a:p>
         </p:txBody>
       </p:sp>
     </p:spTree>
     <p:extLst>
       <p:ext uri="{BB962C8B-B14F-4D97-AF65-F5344CB8AC3E}">
-        <p14:creationId xmlns:p14="http://schemas.microsoft.com/office/powerpoint/2010/main" val="3245890631"/>
+        <p14:creationId xmlns:p14="http://schemas.microsoft.com/office/powerpoint/2010/main" val="2594925817"/>
       </p:ext>
     </p:extLst>
   </p:cSld>
@@ -1255,39 +1119,14 @@
           <a:bodyPr/>
           <a:lstStyle/>
           <a:p>
-            <a:pPr marL="0" marR="0" indent="0" algn="l" defTabSz="914400" rtl="0" eaLnBrk="1" fontAlgn="auto" latinLnBrk="0" hangingPunct="1">
-              <a:lnSpc>
-                <a:spcPct val="100000"/>
-              </a:lnSpc>
-              <a:spcBef>
-                <a:spcPts val="0"/>
-              </a:spcBef>
-              <a:spcAft>
-                <a:spcPts val="0"/>
-              </a:spcAft>
-              <a:buClrTx/>
-              <a:buSzTx/>
-              <a:buFontTx/>
-              <a:buNone/>
-              <a:tabLst/>
-              <a:defRPr/>
-            </a:pPr>
-            <a:endParaRPr lang="en-US" sz="1200" kern="1200" baseline="0" dirty="0">
-              <a:solidFill>
-                <a:schemeClr val="tx1"/>
-              </a:solidFill>
-              <a:effectLst/>
-              <a:latin typeface="+mn-lt"/>
-              <a:ea typeface="+mn-ea"/>
-              <a:cs typeface="+mn-cs"/>
-            </a:endParaRPr>
+            <a:endParaRPr lang="en-US" dirty="0"/>
           </a:p>
         </p:txBody>
       </p:sp>
     </p:spTree>
     <p:extLst>
       <p:ext uri="{BB962C8B-B14F-4D97-AF65-F5344CB8AC3E}">
-        <p14:creationId xmlns:p14="http://schemas.microsoft.com/office/powerpoint/2010/main" val="2594925817"/>
+        <p14:creationId xmlns:p14="http://schemas.microsoft.com/office/powerpoint/2010/main" val="1311771900"/>
       </p:ext>
     </p:extLst>
   </p:cSld>
@@ -1338,17 +1177,19 @@
         </p:nvSpPr>
         <p:spPr/>
         <p:txBody>
-          <a:bodyPr/>
+          <a:bodyPr>
+            <a:normAutofit/>
+          </a:bodyPr>
           <a:lstStyle/>
           <a:p>
-            <a:endParaRPr lang="en-US" dirty="0"/>
+            <a:endParaRPr lang="en-US" baseline="0" dirty="0"/>
           </a:p>
         </p:txBody>
       </p:sp>
     </p:spTree>
     <p:extLst>
       <p:ext uri="{BB962C8B-B14F-4D97-AF65-F5344CB8AC3E}">
-        <p14:creationId xmlns:p14="http://schemas.microsoft.com/office/powerpoint/2010/main" val="1311771900"/>
+        <p14:creationId xmlns:p14="http://schemas.microsoft.com/office/powerpoint/2010/main" val="2167625601"/>
       </p:ext>
     </p:extLst>
   </p:cSld>
@@ -1399,19 +1240,42 @@
         </p:nvSpPr>
         <p:spPr/>
         <p:txBody>
-          <a:bodyPr>
-            <a:normAutofit/>
-          </a:bodyPr>
+          <a:bodyPr/>
           <a:lstStyle/>
           <a:p>
-            <a:endParaRPr lang="en-US" baseline="0" dirty="0"/>
+            <a:pPr marL="0" marR="0" indent="0" algn="l" defTabSz="914400" rtl="0" eaLnBrk="1" fontAlgn="auto" latinLnBrk="0" hangingPunct="1">
+              <a:lnSpc>
+                <a:spcPct val="100000"/>
+              </a:lnSpc>
+              <a:spcBef>
+                <a:spcPts val="0"/>
+              </a:spcBef>
+              <a:spcAft>
+                <a:spcPts val="0"/>
+              </a:spcAft>
+              <a:buClrTx/>
+              <a:buSzTx/>
+              <a:buFontTx/>
+              <a:buNone/>
+              <a:tabLst/>
+              <a:defRPr/>
+            </a:pPr>
+            <a:endParaRPr lang="en-US" sz="1200" kern="1200" baseline="0" dirty="0">
+              <a:solidFill>
+                <a:schemeClr val="tx1"/>
+              </a:solidFill>
+              <a:effectLst/>
+              <a:latin typeface="+mn-lt"/>
+              <a:ea typeface="+mn-ea"/>
+              <a:cs typeface="+mn-cs"/>
+            </a:endParaRPr>
           </a:p>
         </p:txBody>
       </p:sp>
     </p:spTree>
     <p:extLst>
       <p:ext uri="{BB962C8B-B14F-4D97-AF65-F5344CB8AC3E}">
-        <p14:creationId xmlns:p14="http://schemas.microsoft.com/office/powerpoint/2010/main" val="2167625601"/>
+        <p14:creationId xmlns:p14="http://schemas.microsoft.com/office/powerpoint/2010/main" val="465876231"/>
       </p:ext>
     </p:extLst>
   </p:cSld>
@@ -1497,7 +1361,7 @@
     </p:spTree>
     <p:extLst>
       <p:ext uri="{BB962C8B-B14F-4D97-AF65-F5344CB8AC3E}">
-        <p14:creationId xmlns:p14="http://schemas.microsoft.com/office/powerpoint/2010/main" val="465876231"/>
+        <p14:creationId xmlns:p14="http://schemas.microsoft.com/office/powerpoint/2010/main" val="3353665425"/>
       </p:ext>
     </p:extLst>
   </p:cSld>
@@ -1583,7 +1447,7 @@
     </p:spTree>
     <p:extLst>
       <p:ext uri="{BB962C8B-B14F-4D97-AF65-F5344CB8AC3E}">
-        <p14:creationId xmlns:p14="http://schemas.microsoft.com/office/powerpoint/2010/main" val="3353665425"/>
+        <p14:creationId xmlns:p14="http://schemas.microsoft.com/office/powerpoint/2010/main" val="2394980987"/>
       </p:ext>
     </p:extLst>
   </p:cSld>
@@ -3463,7 +3327,7 @@
           <a:p>
             <a:r>
               <a:rPr lang="en-US" sz="2400" dirty="0"/>
-              <a:t>Streaming Datasets and Real-time Dashboards</a:t>
+              <a:t>Developing Applications with Power BI Embedded</a:t>
             </a:r>
             <a:endParaRPr lang="en-US" sz="2600" dirty="0"/>
           </a:p>
@@ -3535,186 +3399,6 @@
           <a:p>
             <a:r>
               <a:rPr lang="en-US" dirty="0"/>
-              <a:t>Projects and PBIX Files</a:t>
-            </a:r>
-          </a:p>
-        </p:txBody>
-      </p:sp>
-      <p:sp>
-        <p:nvSpPr>
-          <p:cNvPr id="3" name="Content Placeholder 2"/>
-          <p:cNvSpPr>
-            <a:spLocks noGrp="1"/>
-          </p:cNvSpPr>
-          <p:nvPr>
-            <p:ph idx="1"/>
-          </p:nvPr>
-        </p:nvSpPr>
-        <p:spPr/>
-        <p:txBody>
-          <a:bodyPr/>
-          <a:lstStyle/>
-          <a:p>
-            <a:r>
-              <a:rPr lang="en-US" dirty="0"/>
-              <a:t>Power BI Desktop projects saved using PBIX files</a:t>
-            </a:r>
-          </a:p>
-          <a:p>
-            <a:pPr lvl="1"/>
-            <a:r>
-              <a:rPr lang="en-US" dirty="0"/>
-              <a:t>PBIX file contains data source definitions</a:t>
-            </a:r>
-          </a:p>
-          <a:p>
-            <a:pPr lvl="1"/>
-            <a:r>
-              <a:rPr lang="en-US" dirty="0"/>
-              <a:t>PBIX file contains query definitions</a:t>
-            </a:r>
-          </a:p>
-          <a:p>
-            <a:pPr lvl="1"/>
-            <a:r>
-              <a:rPr lang="en-US" dirty="0"/>
-              <a:t>PBIX file contains data imported from queries</a:t>
-            </a:r>
-          </a:p>
-          <a:p>
-            <a:pPr lvl="1"/>
-            <a:r>
-              <a:rPr lang="en-US" dirty="0"/>
-              <a:t>PBIX file contains exactly one data model definition</a:t>
-            </a:r>
-          </a:p>
-          <a:p>
-            <a:pPr lvl="1"/>
-            <a:r>
-              <a:rPr lang="en-US" dirty="0"/>
-              <a:t>PBIX file contains exactly one report</a:t>
-            </a:r>
-          </a:p>
-          <a:p>
-            <a:pPr lvl="1"/>
-            <a:r>
-              <a:rPr lang="en-US" dirty="0"/>
-              <a:t>PBIX file never contains data source credentials</a:t>
-            </a:r>
-          </a:p>
-        </p:txBody>
-      </p:sp>
-      <p:pic>
-        <p:nvPicPr>
-          <p:cNvPr id="4" name="Picture 3"/>
-          <p:cNvPicPr>
-            <a:picLocks noChangeAspect="1"/>
-          </p:cNvPicPr>
-          <p:nvPr/>
-        </p:nvPicPr>
-        <p:blipFill>
-          <a:blip r:embed="rId3"/>
-          <a:stretch>
-            <a:fillRect/>
-          </a:stretch>
-        </p:blipFill>
-        <p:spPr>
-          <a:xfrm>
-            <a:off x="990600" y="4743153"/>
-            <a:ext cx="1164790" cy="1464077"/>
-          </a:xfrm>
-          <a:prstGeom prst="rect">
-            <a:avLst/>
-          </a:prstGeom>
-          <a:ln>
-            <a:solidFill>
-              <a:schemeClr val="tx1">
-                <a:lumMod val="50000"/>
-                <a:lumOff val="50000"/>
-              </a:schemeClr>
-            </a:solidFill>
-          </a:ln>
-        </p:spPr>
-      </p:pic>
-      <p:pic>
-        <p:nvPicPr>
-          <p:cNvPr id="5" name="Picture 4"/>
-          <p:cNvPicPr>
-            <a:picLocks noChangeAspect="1"/>
-          </p:cNvPicPr>
-          <p:nvPr/>
-        </p:nvPicPr>
-        <p:blipFill>
-          <a:blip r:embed="rId4"/>
-          <a:stretch>
-            <a:fillRect/>
-          </a:stretch>
-        </p:blipFill>
-        <p:spPr>
-          <a:xfrm>
-            <a:off x="2407006" y="4722371"/>
-            <a:ext cx="6104378" cy="1419099"/>
-          </a:xfrm>
-          <a:prstGeom prst="rect">
-            <a:avLst/>
-          </a:prstGeom>
-          <a:ln>
-            <a:solidFill>
-              <a:schemeClr val="tx1">
-                <a:lumMod val="50000"/>
-                <a:lumOff val="50000"/>
-              </a:schemeClr>
-            </a:solidFill>
-          </a:ln>
-        </p:spPr>
-      </p:pic>
-    </p:spTree>
-    <p:extLst>
-      <p:ext uri="{BB962C8B-B14F-4D97-AF65-F5344CB8AC3E}">
-        <p14:creationId xmlns:p14="http://schemas.microsoft.com/office/powerpoint/2010/main" val="3480918998"/>
-      </p:ext>
-    </p:extLst>
-  </p:cSld>
-  <p:clrMapOvr>
-    <a:masterClrMapping/>
-  </p:clrMapOvr>
-</p:sld>
-</file>
-
-<file path=ppt/slides/slide11.xml><?xml version="1.0" encoding="utf-8"?>
-<p:sld xmlns:a="http://schemas.openxmlformats.org/drawingml/2006/main" xmlns:r="http://schemas.openxmlformats.org/officeDocument/2006/relationships" xmlns:p="http://schemas.openxmlformats.org/presentationml/2006/main">
-  <p:cSld>
-    <p:spTree>
-      <p:nvGrpSpPr>
-        <p:cNvPr id="1" name=""/>
-        <p:cNvGrpSpPr/>
-        <p:nvPr/>
-      </p:nvGrpSpPr>
-      <p:grpSpPr>
-        <a:xfrm>
-          <a:off x="0" y="0"/>
-          <a:ext cx="0" cy="0"/>
-          <a:chOff x="0" y="0"/>
-          <a:chExt cx="0" cy="0"/>
-        </a:xfrm>
-      </p:grpSpPr>
-      <p:sp>
-        <p:nvSpPr>
-          <p:cNvPr id="2" name="Title 1"/>
-          <p:cNvSpPr>
-            <a:spLocks noGrp="1"/>
-          </p:cNvSpPr>
-          <p:nvPr>
-            <p:ph type="title"/>
-          </p:nvPr>
-        </p:nvSpPr>
-        <p:spPr/>
-        <p:txBody>
-          <a:bodyPr/>
-          <a:lstStyle/>
-          <a:p>
-            <a:r>
-              <a:rPr lang="en-US" dirty="0"/>
               <a:t>Demo: </a:t>
             </a:r>
             <a:r>
@@ -3769,7 +3453,7 @@
 </p:sld>
 </file>
 
-<file path=ppt/slides/slide12.xml><?xml version="1.0" encoding="utf-8"?>
+<file path=ppt/slides/slide11.xml><?xml version="1.0" encoding="utf-8"?>
 <p:sld xmlns:a="http://schemas.openxmlformats.org/drawingml/2006/main" xmlns:r="http://schemas.openxmlformats.org/officeDocument/2006/relationships" xmlns:p="http://schemas.openxmlformats.org/presentationml/2006/main">
   <p:cSld>
     <p:spTree>
@@ -3898,7 +3582,7 @@
 </p:sld>
 </file>
 
-<file path=ppt/slides/slide13.xml><?xml version="1.0" encoding="utf-8"?>
+<file path=ppt/slides/slide12.xml><?xml version="1.0" encoding="utf-8"?>
 <p:sld xmlns:a="http://schemas.openxmlformats.org/drawingml/2006/main" xmlns:r="http://schemas.openxmlformats.org/officeDocument/2006/relationships" xmlns:p="http://schemas.openxmlformats.org/presentationml/2006/main">
   <p:cSld>
     <p:spTree>
@@ -4266,7 +3950,7 @@
 </p:sld>
 </file>
 
-<file path=ppt/slides/slide14.xml><?xml version="1.0" encoding="utf-8"?>
+<file path=ppt/slides/slide13.xml><?xml version="1.0" encoding="utf-8"?>
 <p:sld xmlns:a="http://schemas.openxmlformats.org/drawingml/2006/main" xmlns:r="http://schemas.openxmlformats.org/officeDocument/2006/relationships" xmlns:p="http://schemas.openxmlformats.org/presentationml/2006/main">
   <p:cSld>
     <p:spTree>
@@ -4348,7 +4032,7 @@
 </p:sld>
 </file>
 
-<file path=ppt/slides/slide15.xml><?xml version="1.0" encoding="utf-8"?>
+<file path=ppt/slides/slide14.xml><?xml version="1.0" encoding="utf-8"?>
 <p:sld xmlns:a="http://schemas.openxmlformats.org/drawingml/2006/main" xmlns:r="http://schemas.openxmlformats.org/officeDocument/2006/relationships" xmlns:p="http://schemas.openxmlformats.org/presentationml/2006/main">
   <p:cSld>
     <p:spTree>
@@ -4910,7 +4594,7 @@
 </p:sld>
 </file>
 
-<file path=ppt/slides/slide16.xml><?xml version="1.0" encoding="utf-8"?>
+<file path=ppt/slides/slide15.xml><?xml version="1.0" encoding="utf-8"?>
 <p:sld xmlns:a="http://schemas.openxmlformats.org/drawingml/2006/main" xmlns:r="http://schemas.openxmlformats.org/officeDocument/2006/relationships" xmlns:p="http://schemas.openxmlformats.org/presentationml/2006/main">
   <p:cSld>
     <p:spTree>
@@ -4993,7 +4677,7 @@
 </p:sld>
 </file>
 
-<file path=ppt/slides/slide17.xml><?xml version="1.0" encoding="utf-8"?>
+<file path=ppt/slides/slide16.xml><?xml version="1.0" encoding="utf-8"?>
 <p:sld xmlns:a="http://schemas.openxmlformats.org/drawingml/2006/main" xmlns:r="http://schemas.openxmlformats.org/officeDocument/2006/relationships" xmlns:p="http://schemas.openxmlformats.org/presentationml/2006/main">
   <p:cSld>
     <p:spTree>
@@ -5126,7 +4810,7 @@
 </p:sld>
 </file>
 
-<file path=ppt/slides/slide18.xml><?xml version="1.0" encoding="utf-8"?>
+<file path=ppt/slides/slide17.xml><?xml version="1.0" encoding="utf-8"?>
 <p:sld xmlns:a="http://schemas.openxmlformats.org/drawingml/2006/main" xmlns:r="http://schemas.openxmlformats.org/officeDocument/2006/relationships" xmlns:p="http://schemas.openxmlformats.org/presentationml/2006/main">
   <p:cSld>
     <p:spTree>
@@ -5244,7 +4928,7 @@
 </p:sld>
 </file>
 
-<file path=ppt/slides/slide19.xml><?xml version="1.0" encoding="utf-8"?>
+<file path=ppt/slides/slide18.xml><?xml version="1.0" encoding="utf-8"?>
 <p:sld xmlns:a="http://schemas.openxmlformats.org/drawingml/2006/main" xmlns:r="http://schemas.openxmlformats.org/officeDocument/2006/relationships" xmlns:p="http://schemas.openxmlformats.org/presentationml/2006/main">
   <p:cSld>
     <p:spTree>
@@ -5357,124 +5041,7 @@
 </p:sld>
 </file>
 
-<file path=ppt/slides/slide2.xml><?xml version="1.0" encoding="utf-8"?>
-<p:sld xmlns:a="http://schemas.openxmlformats.org/drawingml/2006/main" xmlns:r="http://schemas.openxmlformats.org/officeDocument/2006/relationships" xmlns:p="http://schemas.openxmlformats.org/presentationml/2006/main">
-  <p:cSld>
-    <p:spTree>
-      <p:nvGrpSpPr>
-        <p:cNvPr id="1" name=""/>
-        <p:cNvGrpSpPr/>
-        <p:nvPr/>
-      </p:nvGrpSpPr>
-      <p:grpSpPr>
-        <a:xfrm>
-          <a:off x="0" y="0"/>
-          <a:ext cx="0" cy="0"/>
-          <a:chOff x="0" y="0"/>
-          <a:chExt cx="0" cy="0"/>
-        </a:xfrm>
-      </p:grpSpPr>
-      <p:sp>
-        <p:nvSpPr>
-          <p:cNvPr id="2" name="Title 1"/>
-          <p:cNvSpPr>
-            <a:spLocks noGrp="1"/>
-          </p:cNvSpPr>
-          <p:nvPr>
-            <p:ph type="title"/>
-          </p:nvPr>
-        </p:nvSpPr>
-        <p:spPr/>
-        <p:txBody>
-          <a:bodyPr/>
-          <a:lstStyle/>
-          <a:p>
-            <a:r>
-              <a:rPr lang="en-US" dirty="0"/>
-              <a:t>Agenda</a:t>
-            </a:r>
-          </a:p>
-        </p:txBody>
-      </p:sp>
-      <p:sp>
-        <p:nvSpPr>
-          <p:cNvPr id="3" name="Content Placeholder 2"/>
-          <p:cNvSpPr>
-            <a:spLocks noGrp="1"/>
-          </p:cNvSpPr>
-          <p:nvPr>
-            <p:ph idx="1"/>
-          </p:nvPr>
-        </p:nvSpPr>
-        <p:spPr/>
-        <p:txBody>
-          <a:bodyPr>
-            <a:normAutofit/>
-          </a:bodyPr>
-          <a:lstStyle/>
-          <a:p>
-            <a:r>
-              <a:rPr lang="en-US" dirty="0"/>
-              <a:t>Power BI Embedded Overview</a:t>
-            </a:r>
-          </a:p>
-          <a:p>
-            <a:r>
-              <a:rPr lang="en-US" dirty="0"/>
-              <a:t>Working with PBIX Project Files</a:t>
-            </a:r>
-          </a:p>
-          <a:p>
-            <a:r>
-              <a:rPr lang="en-US" dirty="0"/>
-              <a:t>Provisioning Workspaces in Azure</a:t>
-            </a:r>
-          </a:p>
-          <a:p>
-            <a:r>
-              <a:rPr lang="en-US" dirty="0"/>
-              <a:t>Embedding Reports in a MVC Application</a:t>
-            </a:r>
-          </a:p>
-          <a:p>
-            <a:r>
-              <a:rPr lang="en-US" dirty="0"/>
-              <a:t>Configuring Datasets for </a:t>
-            </a:r>
-            <a:r>
-              <a:rPr lang="en-US" dirty="0" err="1"/>
-              <a:t>DirectQuery</a:t>
-            </a:r>
-            <a:r>
-              <a:rPr lang="en-US" dirty="0"/>
-              <a:t> Mode</a:t>
-            </a:r>
-          </a:p>
-          <a:p>
-            <a:r>
-              <a:rPr lang="en-US" dirty="0"/>
-              <a:t>Putting It All Together</a:t>
-            </a:r>
-          </a:p>
-          <a:p>
-            <a:endParaRPr lang="en-US" dirty="0"/>
-          </a:p>
-        </p:txBody>
-      </p:sp>
-    </p:spTree>
-    <p:extLst>
-      <p:ext uri="{BB962C8B-B14F-4D97-AF65-F5344CB8AC3E}">
-        <p14:creationId xmlns:p14="http://schemas.microsoft.com/office/powerpoint/2010/main" val="3817887356"/>
-      </p:ext>
-    </p:extLst>
-  </p:cSld>
-  <p:clrMapOvr>
-    <a:masterClrMapping/>
-  </p:clrMapOvr>
-</p:sld>
-</file>
-
-<file path=ppt/slides/slide20.xml><?xml version="1.0" encoding="utf-8"?>
+<file path=ppt/slides/slide19.xml><?xml version="1.0" encoding="utf-8"?>
 <p:sld xmlns:a="http://schemas.openxmlformats.org/drawingml/2006/main" xmlns:r="http://schemas.openxmlformats.org/officeDocument/2006/relationships" xmlns:p="http://schemas.openxmlformats.org/presentationml/2006/main">
   <p:cSld>
     <p:spTree>
@@ -5934,7 +5501,124 @@
 </p:sld>
 </file>
 
-<file path=ppt/slides/slide21.xml><?xml version="1.0" encoding="utf-8"?>
+<file path=ppt/slides/slide2.xml><?xml version="1.0" encoding="utf-8"?>
+<p:sld xmlns:a="http://schemas.openxmlformats.org/drawingml/2006/main" xmlns:r="http://schemas.openxmlformats.org/officeDocument/2006/relationships" xmlns:p="http://schemas.openxmlformats.org/presentationml/2006/main">
+  <p:cSld>
+    <p:spTree>
+      <p:nvGrpSpPr>
+        <p:cNvPr id="1" name=""/>
+        <p:cNvGrpSpPr/>
+        <p:nvPr/>
+      </p:nvGrpSpPr>
+      <p:grpSpPr>
+        <a:xfrm>
+          <a:off x="0" y="0"/>
+          <a:ext cx="0" cy="0"/>
+          <a:chOff x="0" y="0"/>
+          <a:chExt cx="0" cy="0"/>
+        </a:xfrm>
+      </p:grpSpPr>
+      <p:sp>
+        <p:nvSpPr>
+          <p:cNvPr id="2" name="Title 1"/>
+          <p:cNvSpPr>
+            <a:spLocks noGrp="1"/>
+          </p:cNvSpPr>
+          <p:nvPr>
+            <p:ph type="title"/>
+          </p:nvPr>
+        </p:nvSpPr>
+        <p:spPr/>
+        <p:txBody>
+          <a:bodyPr/>
+          <a:lstStyle/>
+          <a:p>
+            <a:r>
+              <a:rPr lang="en-US" dirty="0"/>
+              <a:t>Agenda</a:t>
+            </a:r>
+          </a:p>
+        </p:txBody>
+      </p:sp>
+      <p:sp>
+        <p:nvSpPr>
+          <p:cNvPr id="3" name="Content Placeholder 2"/>
+          <p:cNvSpPr>
+            <a:spLocks noGrp="1"/>
+          </p:cNvSpPr>
+          <p:nvPr>
+            <p:ph idx="1"/>
+          </p:nvPr>
+        </p:nvSpPr>
+        <p:spPr/>
+        <p:txBody>
+          <a:bodyPr>
+            <a:normAutofit/>
+          </a:bodyPr>
+          <a:lstStyle/>
+          <a:p>
+            <a:r>
+              <a:rPr lang="en-US" dirty="0"/>
+              <a:t>Power BI Embedded Overview</a:t>
+            </a:r>
+          </a:p>
+          <a:p>
+            <a:r>
+              <a:rPr lang="en-US" dirty="0"/>
+              <a:t>Working with PBIX Project Files</a:t>
+            </a:r>
+          </a:p>
+          <a:p>
+            <a:r>
+              <a:rPr lang="en-US" dirty="0"/>
+              <a:t>Provisioning Workspaces in Azure</a:t>
+            </a:r>
+          </a:p>
+          <a:p>
+            <a:r>
+              <a:rPr lang="en-US" dirty="0"/>
+              <a:t>Embedding Reports in a MVC Application</a:t>
+            </a:r>
+          </a:p>
+          <a:p>
+            <a:r>
+              <a:rPr lang="en-US" dirty="0"/>
+              <a:t>Configuring Datasets for </a:t>
+            </a:r>
+            <a:r>
+              <a:rPr lang="en-US" dirty="0" err="1"/>
+              <a:t>DirectQuery</a:t>
+            </a:r>
+            <a:r>
+              <a:rPr lang="en-US" dirty="0"/>
+              <a:t> Mode</a:t>
+            </a:r>
+          </a:p>
+          <a:p>
+            <a:r>
+              <a:rPr lang="en-US" dirty="0"/>
+              <a:t>Putting It All Together</a:t>
+            </a:r>
+          </a:p>
+          <a:p>
+            <a:endParaRPr lang="en-US" dirty="0"/>
+          </a:p>
+        </p:txBody>
+      </p:sp>
+    </p:spTree>
+    <p:extLst>
+      <p:ext uri="{BB962C8B-B14F-4D97-AF65-F5344CB8AC3E}">
+        <p14:creationId xmlns:p14="http://schemas.microsoft.com/office/powerpoint/2010/main" val="3817887356"/>
+      </p:ext>
+    </p:extLst>
+  </p:cSld>
+  <p:clrMapOvr>
+    <a:masterClrMapping/>
+  </p:clrMapOvr>
+</p:sld>
+</file>
+
+<file path=ppt/slides/slide20.xml><?xml version="1.0" encoding="utf-8"?>
 <p:sld xmlns:a="http://schemas.openxmlformats.org/drawingml/2006/main" xmlns:r="http://schemas.openxmlformats.org/officeDocument/2006/relationships" xmlns:p="http://schemas.openxmlformats.org/presentationml/2006/main">
   <p:cSld>
     <p:spTree>
@@ -6451,7 +6135,7 @@
 </p:sld>
 </file>
 
-<file path=ppt/slides/slide22.xml><?xml version="1.0" encoding="utf-8"?>
+<file path=ppt/slides/slide21.xml><?xml version="1.0" encoding="utf-8"?>
 <p:sld xmlns:a="http://schemas.openxmlformats.org/drawingml/2006/main" xmlns:r="http://schemas.openxmlformats.org/officeDocument/2006/relationships" xmlns:p="http://schemas.openxmlformats.org/presentationml/2006/main">
   <p:cSld>
     <p:spTree>
@@ -6645,7 +6329,7 @@
 </p:sld>
 </file>
 
-<file path=ppt/slides/slide23.xml><?xml version="1.0" encoding="utf-8"?>
+<file path=ppt/slides/slide22.xml><?xml version="1.0" encoding="utf-8"?>
 <p:sld xmlns:a="http://schemas.openxmlformats.org/drawingml/2006/main" xmlns:r="http://schemas.openxmlformats.org/officeDocument/2006/relationships" xmlns:p="http://schemas.openxmlformats.org/presentationml/2006/main">
   <p:cSld>
     <p:spTree>
@@ -6830,7 +6514,7 @@
 </p:sld>
 </file>
 
-<file path=ppt/slides/slide24.xml><?xml version="1.0" encoding="utf-8"?>
+<file path=ppt/slides/slide23.xml><?xml version="1.0" encoding="utf-8"?>
 <p:sld xmlns:a="http://schemas.openxmlformats.org/drawingml/2006/main" xmlns:r="http://schemas.openxmlformats.org/officeDocument/2006/relationships" xmlns:p="http://schemas.openxmlformats.org/presentationml/2006/main">
   <p:cSld>
     <p:spTree>
@@ -6967,7 +6651,7 @@
 </p:sld>
 </file>
 
-<file path=ppt/slides/slide25.xml><?xml version="1.0" encoding="utf-8"?>
+<file path=ppt/slides/slide24.xml><?xml version="1.0" encoding="utf-8"?>
 <p:sld xmlns:a="http://schemas.openxmlformats.org/drawingml/2006/main" xmlns:r="http://schemas.openxmlformats.org/officeDocument/2006/relationships" xmlns:p="http://schemas.openxmlformats.org/presentationml/2006/main">
   <p:cSld>
     <p:spTree>
@@ -7561,7 +7245,7 @@
 </p:sld>
 </file>
 
-<file path=ppt/slides/slide26.xml><?xml version="1.0" encoding="utf-8"?>
+<file path=ppt/slides/slide25.xml><?xml version="1.0" encoding="utf-8"?>
 <p:sld xmlns:a="http://schemas.openxmlformats.org/drawingml/2006/main" xmlns:r="http://schemas.openxmlformats.org/officeDocument/2006/relationships" xmlns:p="http://schemas.openxmlformats.org/presentationml/2006/main">
   <p:cSld>
     <p:spTree>
@@ -7644,6 +7328,131 @@
 </p:sld>
 </file>
 
+<file path=ppt/slides/slide26.xml><?xml version="1.0" encoding="utf-8"?>
+<p:sld xmlns:a="http://schemas.openxmlformats.org/drawingml/2006/main" xmlns:r="http://schemas.openxmlformats.org/officeDocument/2006/relationships" xmlns:p="http://schemas.openxmlformats.org/presentationml/2006/main">
+  <p:cSld>
+    <p:spTree>
+      <p:nvGrpSpPr>
+        <p:cNvPr id="1" name=""/>
+        <p:cNvGrpSpPr/>
+        <p:nvPr/>
+      </p:nvGrpSpPr>
+      <p:grpSpPr>
+        <a:xfrm>
+          <a:off x="0" y="0"/>
+          <a:ext cx="0" cy="0"/>
+          <a:chOff x="0" y="0"/>
+          <a:chExt cx="0" cy="0"/>
+        </a:xfrm>
+      </p:grpSpPr>
+      <p:sp>
+        <p:nvSpPr>
+          <p:cNvPr id="2" name="Title 1"/>
+          <p:cNvSpPr>
+            <a:spLocks noGrp="1"/>
+          </p:cNvSpPr>
+          <p:nvPr>
+            <p:ph type="title"/>
+          </p:nvPr>
+        </p:nvSpPr>
+        <p:spPr/>
+        <p:txBody>
+          <a:bodyPr/>
+          <a:lstStyle/>
+          <a:p>
+            <a:r>
+              <a:rPr lang="en-US" dirty="0"/>
+              <a:t>Limitations of DirectQuery</a:t>
+            </a:r>
+          </a:p>
+        </p:txBody>
+      </p:sp>
+      <p:sp>
+        <p:nvSpPr>
+          <p:cNvPr id="3" name="Content Placeholder 2"/>
+          <p:cNvSpPr>
+            <a:spLocks noGrp="1"/>
+          </p:cNvSpPr>
+          <p:nvPr>
+            <p:ph idx="1"/>
+          </p:nvPr>
+        </p:nvSpPr>
+        <p:spPr/>
+        <p:txBody>
+          <a:bodyPr>
+            <a:normAutofit/>
+          </a:bodyPr>
+          <a:lstStyle/>
+          <a:p>
+            <a:r>
+              <a:rPr lang="en-US" dirty="0"/>
+              <a:t>DirectQuery imposes the following limitations</a:t>
+            </a:r>
+          </a:p>
+          <a:p>
+            <a:pPr lvl="1"/>
+            <a:r>
+              <a:rPr lang="en-US" dirty="0"/>
+              <a:t>All tables must come from a single database</a:t>
+            </a:r>
+          </a:p>
+          <a:p>
+            <a:pPr lvl="1"/>
+            <a:r>
+              <a:rPr lang="en-US" dirty="0"/>
+              <a:t>Many types of query steps are not supported</a:t>
+            </a:r>
+          </a:p>
+          <a:p>
+            <a:pPr lvl="1"/>
+            <a:r>
+              <a:rPr lang="en-US" dirty="0"/>
+              <a:t>Relationship filtering limited to single direction</a:t>
+            </a:r>
+          </a:p>
+          <a:p>
+            <a:pPr lvl="1"/>
+            <a:r>
+              <a:rPr lang="en-US" dirty="0"/>
+              <a:t>Time intelligence capabilities are not available</a:t>
+            </a:r>
+          </a:p>
+          <a:p>
+            <a:pPr lvl="1"/>
+            <a:r>
+              <a:rPr lang="en-US" dirty="0"/>
+              <a:t>No special treatment of date columns</a:t>
+            </a:r>
+          </a:p>
+          <a:p>
+            <a:pPr lvl="1"/>
+            <a:r>
+              <a:rPr lang="en-US" dirty="0"/>
+              <a:t>Calculated columns not allowed</a:t>
+            </a:r>
+          </a:p>
+          <a:p>
+            <a:pPr lvl="1"/>
+            <a:r>
+              <a:rPr lang="en-US" dirty="0"/>
+              <a:t>By default, limitations placed on DAX in measures</a:t>
+            </a:r>
+          </a:p>
+        </p:txBody>
+      </p:sp>
+    </p:spTree>
+    <p:extLst>
+      <p:ext uri="{BB962C8B-B14F-4D97-AF65-F5344CB8AC3E}">
+        <p14:creationId xmlns:p14="http://schemas.microsoft.com/office/powerpoint/2010/main" val="4032120210"/>
+      </p:ext>
+    </p:extLst>
+  </p:cSld>
+  <p:clrMapOvr>
+    <a:masterClrMapping/>
+  </p:clrMapOvr>
+</p:sld>
+</file>
+
 <file path=ppt/slides/slide27.xml><?xml version="1.0" encoding="utf-8"?>
 <p:sld xmlns:a="http://schemas.openxmlformats.org/drawingml/2006/main" xmlns:r="http://schemas.openxmlformats.org/officeDocument/2006/relationships" xmlns:p="http://schemas.openxmlformats.org/presentationml/2006/main">
   <p:cSld>
@@ -7678,8 +7487,13 @@
           <a:p>
             <a:r>
               <a:rPr lang="en-US" dirty="0"/>
-              <a:t>Limitations of DirectQuery</a:t>
-            </a:r>
+              <a:t>Demo: </a:t>
+            </a:r>
+            <a:r>
+              <a:rPr lang="en-US" dirty="0" err="1"/>
+              <a:t>WingtipSalesDirectQuery.pbix</a:t>
+            </a:r>
+            <a:endParaRPr lang="en-US" dirty="0"/>
           </a:p>
         </p:txBody>
       </p:sp>
@@ -7701,65 +7515,51 @@
           <a:lstStyle/>
           <a:p>
             <a:r>
-              <a:rPr lang="en-US" dirty="0"/>
-              <a:t>DirectQuery imposes the following limitations</a:t>
+              <a:rPr lang="en-US" sz="2400" dirty="0"/>
+              <a:t>Power BI Embedded does not support dataset refresh</a:t>
             </a:r>
           </a:p>
           <a:p>
             <a:pPr lvl="1"/>
             <a:r>
-              <a:rPr lang="en-US" dirty="0"/>
-              <a:t>All tables must come from a single database</a:t>
+              <a:rPr lang="en-US" sz="2000" dirty="0"/>
+              <a:t>Now way to refresh imported dataset – different than PowerBI.com</a:t>
             </a:r>
           </a:p>
           <a:p>
             <a:pPr lvl="1"/>
             <a:r>
-              <a:rPr lang="en-US" dirty="0"/>
-              <a:t>Many types of query steps are not supported</a:t>
+              <a:rPr lang="en-US" sz="2000" dirty="0"/>
+              <a:t>Requires delete and reimporting updated PBIX project</a:t>
             </a:r>
           </a:p>
           <a:p>
             <a:pPr lvl="1"/>
             <a:r>
-              <a:rPr lang="en-US" dirty="0"/>
-              <a:t>Relationship filtering limited to single direction</a:t>
+              <a:rPr lang="en-US" sz="2000" dirty="0" err="1"/>
+              <a:t>DirectQuery</a:t>
+            </a:r>
+            <a:r>
+              <a:rPr lang="en-US" sz="2000" dirty="0"/>
+              <a:t> mode can be used to eliminate the refresh problem</a:t>
             </a:r>
           </a:p>
           <a:p>
             <a:pPr lvl="1"/>
-            <a:r>
-              <a:rPr lang="en-US" dirty="0"/>
-              <a:t>Time intelligence capabilities are not available</a:t>
-            </a:r>
-          </a:p>
-          <a:p>
-            <a:pPr lvl="1"/>
-            <a:r>
-              <a:rPr lang="en-US" dirty="0"/>
-              <a:t>No special treatment of date columns</a:t>
-            </a:r>
-          </a:p>
-          <a:p>
-            <a:pPr lvl="1"/>
-            <a:r>
-              <a:rPr lang="en-US" dirty="0"/>
-              <a:t>Calculated columns not allowed</a:t>
-            </a:r>
-          </a:p>
-          <a:p>
-            <a:pPr lvl="1"/>
-            <a:r>
-              <a:rPr lang="en-US" dirty="0"/>
-              <a:t>By default, limitations placed on DAX in measures</a:t>
-            </a:r>
+            <a:endParaRPr lang="en-US" sz="2000" dirty="0"/>
+          </a:p>
+          <a:p>
+            <a:endParaRPr lang="en-US" sz="2400" dirty="0"/>
+          </a:p>
+          <a:p>
+            <a:endParaRPr lang="en-US" sz="2400" dirty="0"/>
           </a:p>
         </p:txBody>
       </p:sp>
     </p:spTree>
     <p:extLst>
       <p:ext uri="{BB962C8B-B14F-4D97-AF65-F5344CB8AC3E}">
-        <p14:creationId xmlns:p14="http://schemas.microsoft.com/office/powerpoint/2010/main" val="4032120210"/>
+        <p14:creationId xmlns:p14="http://schemas.microsoft.com/office/powerpoint/2010/main" val="2866264025"/>
       </p:ext>
     </p:extLst>
   </p:cSld>
@@ -7803,122 +7603,6 @@
           <a:p>
             <a:r>
               <a:rPr lang="en-US" dirty="0"/>
-              <a:t>Demo: </a:t>
-            </a:r>
-            <a:r>
-              <a:rPr lang="en-US" dirty="0" err="1"/>
-              <a:t>WingtipSalesDirectQuery.pbix</a:t>
-            </a:r>
-            <a:endParaRPr lang="en-US" dirty="0"/>
-          </a:p>
-        </p:txBody>
-      </p:sp>
-      <p:sp>
-        <p:nvSpPr>
-          <p:cNvPr id="3" name="Content Placeholder 2"/>
-          <p:cNvSpPr>
-            <a:spLocks noGrp="1"/>
-          </p:cNvSpPr>
-          <p:nvPr>
-            <p:ph idx="1"/>
-          </p:nvPr>
-        </p:nvSpPr>
-        <p:spPr/>
-        <p:txBody>
-          <a:bodyPr>
-            <a:normAutofit/>
-          </a:bodyPr>
-          <a:lstStyle/>
-          <a:p>
-            <a:r>
-              <a:rPr lang="en-US" sz="2400" dirty="0"/>
-              <a:t>Power BI Embedded does not support dataset refresh</a:t>
-            </a:r>
-          </a:p>
-          <a:p>
-            <a:pPr lvl="1"/>
-            <a:r>
-              <a:rPr lang="en-US" sz="2000" dirty="0"/>
-              <a:t>Now way to refresh imported dataset – different than PowerBI.com</a:t>
-            </a:r>
-          </a:p>
-          <a:p>
-            <a:pPr lvl="1"/>
-            <a:r>
-              <a:rPr lang="en-US" sz="2000" dirty="0"/>
-              <a:t>Requires delete and reimporting updated PBIX project</a:t>
-            </a:r>
-          </a:p>
-          <a:p>
-            <a:pPr lvl="1"/>
-            <a:r>
-              <a:rPr lang="en-US" sz="2000" dirty="0" err="1"/>
-              <a:t>DirectQuery</a:t>
-            </a:r>
-            <a:r>
-              <a:rPr lang="en-US" sz="2000" dirty="0"/>
-              <a:t> mode can be used to eliminate the refresh problem</a:t>
-            </a:r>
-          </a:p>
-          <a:p>
-            <a:pPr lvl="1"/>
-            <a:endParaRPr lang="en-US" sz="2000" dirty="0"/>
-          </a:p>
-          <a:p>
-            <a:endParaRPr lang="en-US" sz="2400" dirty="0"/>
-          </a:p>
-          <a:p>
-            <a:endParaRPr lang="en-US" sz="2400" dirty="0"/>
-          </a:p>
-        </p:txBody>
-      </p:sp>
-    </p:spTree>
-    <p:extLst>
-      <p:ext uri="{BB962C8B-B14F-4D97-AF65-F5344CB8AC3E}">
-        <p14:creationId xmlns:p14="http://schemas.microsoft.com/office/powerpoint/2010/main" val="2866264025"/>
-      </p:ext>
-    </p:extLst>
-  </p:cSld>
-  <p:clrMapOvr>
-    <a:masterClrMapping/>
-  </p:clrMapOvr>
-</p:sld>
-</file>
-
-<file path=ppt/slides/slide29.xml><?xml version="1.0" encoding="utf-8"?>
-<p:sld xmlns:a="http://schemas.openxmlformats.org/drawingml/2006/main" xmlns:r="http://schemas.openxmlformats.org/officeDocument/2006/relationships" xmlns:p="http://schemas.openxmlformats.org/presentationml/2006/main">
-  <p:cSld>
-    <p:spTree>
-      <p:nvGrpSpPr>
-        <p:cNvPr id="1" name=""/>
-        <p:cNvGrpSpPr/>
-        <p:nvPr/>
-      </p:nvGrpSpPr>
-      <p:grpSpPr>
-        <a:xfrm>
-          <a:off x="0" y="0"/>
-          <a:ext cx="0" cy="0"/>
-          <a:chOff x="0" y="0"/>
-          <a:chExt cx="0" cy="0"/>
-        </a:xfrm>
-      </p:grpSpPr>
-      <p:sp>
-        <p:nvSpPr>
-          <p:cNvPr id="2" name="Title 1"/>
-          <p:cNvSpPr>
-            <a:spLocks noGrp="1"/>
-          </p:cNvSpPr>
-          <p:nvPr>
-            <p:ph type="title"/>
-          </p:nvPr>
-        </p:nvSpPr>
-        <p:spPr/>
-        <p:txBody>
-          <a:bodyPr/>
-          <a:lstStyle/>
-          <a:p>
-            <a:r>
-              <a:rPr lang="en-US" dirty="0"/>
               <a:t>Provisioning with C# and Azure REST APIs</a:t>
             </a:r>
           </a:p>
@@ -8014,132 +7698,7 @@
 </p:sld>
 </file>
 
-<file path=ppt/slides/slide3.xml><?xml version="1.0" encoding="utf-8"?>
-<p:sld xmlns:a="http://schemas.openxmlformats.org/drawingml/2006/main" xmlns:r="http://schemas.openxmlformats.org/officeDocument/2006/relationships" xmlns:p="http://schemas.openxmlformats.org/presentationml/2006/main">
-  <p:cSld>
-    <p:spTree>
-      <p:nvGrpSpPr>
-        <p:cNvPr id="1" name=""/>
-        <p:cNvGrpSpPr/>
-        <p:nvPr/>
-      </p:nvGrpSpPr>
-      <p:grpSpPr>
-        <a:xfrm>
-          <a:off x="0" y="0"/>
-          <a:ext cx="0" cy="0"/>
-          <a:chOff x="0" y="0"/>
-          <a:chExt cx="0" cy="0"/>
-        </a:xfrm>
-      </p:grpSpPr>
-      <p:sp>
-        <p:nvSpPr>
-          <p:cNvPr id="3" name="Title 2"/>
-          <p:cNvSpPr>
-            <a:spLocks noGrp="1"/>
-          </p:cNvSpPr>
-          <p:nvPr>
-            <p:ph type="title"/>
-          </p:nvPr>
-        </p:nvSpPr>
-        <p:spPr/>
-        <p:txBody>
-          <a:bodyPr/>
-          <a:lstStyle/>
-          <a:p>
-            <a:r>
-              <a:rPr lang="en-US" dirty="0"/>
-              <a:t>What is Power BI?</a:t>
-            </a:r>
-          </a:p>
-        </p:txBody>
-      </p:sp>
-      <p:sp>
-        <p:nvSpPr>
-          <p:cNvPr id="4" name="Content Placeholder 3"/>
-          <p:cNvSpPr>
-            <a:spLocks noGrp="1"/>
-          </p:cNvSpPr>
-          <p:nvPr>
-            <p:ph idx="1"/>
-          </p:nvPr>
-        </p:nvSpPr>
-        <p:spPr/>
-        <p:txBody>
-          <a:bodyPr>
-            <a:normAutofit/>
-          </a:bodyPr>
-          <a:lstStyle/>
-          <a:p>
-            <a:r>
-              <a:rPr lang="en-US" sz="2400" dirty="0"/>
-              <a:t>What is Power BI?</a:t>
-            </a:r>
-          </a:p>
-          <a:p>
-            <a:pPr lvl="1"/>
-            <a:r>
-              <a:rPr lang="en-US" sz="2000" dirty="0"/>
-              <a:t>Cloud-based subscription service</a:t>
-            </a:r>
-          </a:p>
-          <a:p>
-            <a:pPr lvl="1"/>
-            <a:r>
-              <a:rPr lang="en-US" sz="2000" dirty="0"/>
-              <a:t>Environment which promotes self-service BI </a:t>
-            </a:r>
-            <a:r>
-              <a:rPr lang="en-US" sz="2000" i="1" dirty="0"/>
-              <a:t>to the end user</a:t>
-            </a:r>
-          </a:p>
-          <a:p>
-            <a:pPr lvl="1"/>
-            <a:r>
-              <a:rPr lang="en-US" sz="2000" dirty="0"/>
-              <a:t>BI Platform to assists with data import, analysis and visualization</a:t>
-            </a:r>
-          </a:p>
-          <a:p>
-            <a:pPr lvl="1"/>
-            <a:endParaRPr lang="en-US" sz="2400" dirty="0"/>
-          </a:p>
-          <a:p>
-            <a:r>
-              <a:rPr lang="en-US" sz="2400" dirty="0"/>
-              <a:t>Power BI benefits from being a cloud-based service</a:t>
-            </a:r>
-          </a:p>
-          <a:p>
-            <a:pPr lvl="1"/>
-            <a:r>
-              <a:rPr lang="en-US" sz="2000" dirty="0"/>
-              <a:t>It takes only 5 seconds to subscribe to the Power BI service</a:t>
-            </a:r>
-          </a:p>
-          <a:p>
-            <a:pPr lvl="1"/>
-            <a:r>
-              <a:rPr lang="en-US" sz="2000" dirty="0"/>
-              <a:t>New users can create something significant in 5 minutes or less</a:t>
-            </a:r>
-          </a:p>
-        </p:txBody>
-      </p:sp>
-    </p:spTree>
-    <p:extLst>
-      <p:ext uri="{BB962C8B-B14F-4D97-AF65-F5344CB8AC3E}">
-        <p14:creationId xmlns:p14="http://schemas.microsoft.com/office/powerpoint/2010/main" val="3062944001"/>
-      </p:ext>
-    </p:extLst>
-  </p:cSld>
-  <p:clrMapOvr>
-    <a:masterClrMapping/>
-  </p:clrMapOvr>
-</p:sld>
-</file>
-
-<file path=ppt/slides/slide30.xml><?xml version="1.0" encoding="utf-8"?>
+<file path=ppt/slides/slide29.xml><?xml version="1.0" encoding="utf-8"?>
 <p:sld xmlns:a="http://schemas.openxmlformats.org/drawingml/2006/main" xmlns:r="http://schemas.openxmlformats.org/officeDocument/2006/relationships" xmlns:p="http://schemas.openxmlformats.org/presentationml/2006/main">
   <p:cSld>
     <p:spTree>
@@ -8225,7 +7784,154 @@
 </p:sld>
 </file>
 
-<file path=ppt/slides/slide31.xml><?xml version="1.0" encoding="utf-8"?>
+<file path=ppt/slides/slide3.xml><?xml version="1.0" encoding="utf-8"?>
+<p:sld xmlns:a="http://schemas.openxmlformats.org/drawingml/2006/main" xmlns:r="http://schemas.openxmlformats.org/officeDocument/2006/relationships" xmlns:p="http://schemas.openxmlformats.org/presentationml/2006/main">
+  <p:cSld>
+    <p:spTree>
+      <p:nvGrpSpPr>
+        <p:cNvPr id="1" name=""/>
+        <p:cNvGrpSpPr/>
+        <p:nvPr/>
+      </p:nvGrpSpPr>
+      <p:grpSpPr>
+        <a:xfrm>
+          <a:off x="0" y="0"/>
+          <a:ext cx="0" cy="0"/>
+          <a:chOff x="0" y="0"/>
+          <a:chExt cx="0" cy="0"/>
+        </a:xfrm>
+      </p:grpSpPr>
+      <p:sp>
+        <p:nvSpPr>
+          <p:cNvPr id="3" name="Title 2"/>
+          <p:cNvSpPr>
+            <a:spLocks noGrp="1"/>
+          </p:cNvSpPr>
+          <p:nvPr>
+            <p:ph type="title"/>
+          </p:nvPr>
+        </p:nvSpPr>
+        <p:spPr/>
+        <p:txBody>
+          <a:bodyPr/>
+          <a:lstStyle/>
+          <a:p>
+            <a:r>
+              <a:rPr lang="en-US" dirty="0"/>
+              <a:t>The Power BI Service at </a:t>
+            </a:r>
+            <a:r>
+              <a:rPr lang="en-US" dirty="0">
+                <a:solidFill>
+                  <a:schemeClr val="accent2">
+                    <a:lumMod val="75000"/>
+                  </a:schemeClr>
+                </a:solidFill>
+              </a:rPr>
+              <a:t>PowerBI.com</a:t>
+            </a:r>
+            <a:r>
+              <a:rPr lang="en-US" dirty="0"/>
+              <a:t> </a:t>
+            </a:r>
+          </a:p>
+        </p:txBody>
+      </p:sp>
+      <p:sp>
+        <p:nvSpPr>
+          <p:cNvPr id="4" name="Content Placeholder 3"/>
+          <p:cNvSpPr>
+            <a:spLocks noGrp="1"/>
+          </p:cNvSpPr>
+          <p:nvPr>
+            <p:ph idx="1"/>
+          </p:nvPr>
+        </p:nvSpPr>
+        <p:spPr/>
+        <p:txBody>
+          <a:bodyPr>
+            <a:normAutofit/>
+          </a:bodyPr>
+          <a:lstStyle/>
+          <a:p>
+            <a:r>
+              <a:rPr lang="en-US" sz="2400" dirty="0"/>
+              <a:t>The Power BI service is accessible through browser</a:t>
+            </a:r>
+          </a:p>
+          <a:p>
+            <a:pPr lvl="1"/>
+            <a:r>
+              <a:rPr lang="en-US" sz="2000" dirty="0"/>
+              <a:t>Provides cloud-based foundation for Power BI platform</a:t>
+            </a:r>
+          </a:p>
+          <a:p>
+            <a:pPr lvl="1"/>
+            <a:r>
+              <a:rPr lang="en-US" sz="2000" dirty="0"/>
+              <a:t>Accessible through URL at </a:t>
+            </a:r>
+            <a:r>
+              <a:rPr lang="en-US" sz="2000" dirty="0">
+                <a:hlinkClick r:id="rId3"/>
+              </a:rPr>
+              <a:t>https://app.powerbi.com</a:t>
+            </a:r>
+            <a:endParaRPr lang="en-US" sz="2000" dirty="0"/>
+          </a:p>
+          <a:p>
+            <a:pPr lvl="1"/>
+            <a:r>
+              <a:rPr lang="en-US" sz="2000" dirty="0"/>
+              <a:t>Users require Office 365 accounts and Power BI Licenses</a:t>
+            </a:r>
+          </a:p>
+        </p:txBody>
+      </p:sp>
+      <p:pic>
+        <p:nvPicPr>
+          <p:cNvPr id="5" name="Picture 4"/>
+          <p:cNvPicPr>
+            <a:picLocks noChangeAspect="1"/>
+          </p:cNvPicPr>
+          <p:nvPr/>
+        </p:nvPicPr>
+        <p:blipFill>
+          <a:blip r:embed="rId4"/>
+          <a:stretch>
+            <a:fillRect/>
+          </a:stretch>
+        </p:blipFill>
+        <p:spPr>
+          <a:xfrm>
+            <a:off x="1219200" y="3124200"/>
+            <a:ext cx="6019800" cy="3383507"/>
+          </a:xfrm>
+          <a:prstGeom prst="rect">
+            <a:avLst/>
+          </a:prstGeom>
+          <a:ln w="19050">
+            <a:solidFill>
+              <a:schemeClr val="tx1"/>
+            </a:solidFill>
+          </a:ln>
+        </p:spPr>
+      </p:pic>
+    </p:spTree>
+    <p:extLst>
+      <p:ext uri="{BB962C8B-B14F-4D97-AF65-F5344CB8AC3E}">
+        <p14:creationId xmlns:p14="http://schemas.microsoft.com/office/powerpoint/2010/main" val="2555539601"/>
+      </p:ext>
+    </p:extLst>
+  </p:cSld>
+  <p:clrMapOvr>
+    <a:masterClrMapping/>
+  </p:clrMapOvr>
+</p:sld>
+</file>
+
+<file path=ppt/slides/slide30.xml><?xml version="1.0" encoding="utf-8"?>
 <p:sld xmlns:a="http://schemas.openxmlformats.org/drawingml/2006/main" xmlns:r="http://schemas.openxmlformats.org/officeDocument/2006/relationships" xmlns:p="http://schemas.openxmlformats.org/presentationml/2006/main">
   <p:cSld>
     <p:spTree>
@@ -8366,7 +8072,7 @@
 </p:sld>
 </file>
 
-<file path=ppt/slides/slide32.xml><?xml version="1.0" encoding="utf-8"?>
+<file path=ppt/slides/slide31.xml><?xml version="1.0" encoding="utf-8"?>
 <p:sld xmlns:a="http://schemas.openxmlformats.org/drawingml/2006/main" xmlns:r="http://schemas.openxmlformats.org/officeDocument/2006/relationships" xmlns:p="http://schemas.openxmlformats.org/presentationml/2006/main">
   <p:cSld>
     <p:spTree>
@@ -8524,7 +8230,7 @@
 </p:sld>
 </file>
 
-<file path=ppt/slides/slide33.xml><?xml version="1.0" encoding="utf-8"?>
+<file path=ppt/slides/slide32.xml><?xml version="1.0" encoding="utf-8"?>
 <p:sld xmlns:a="http://schemas.openxmlformats.org/drawingml/2006/main" xmlns:r="http://schemas.openxmlformats.org/officeDocument/2006/relationships" xmlns:p="http://schemas.openxmlformats.org/presentationml/2006/main">
   <p:cSld>
     <p:spTree>
@@ -8666,153 +8372,6 @@
 </file>
 
 <file path=ppt/slides/slide4.xml><?xml version="1.0" encoding="utf-8"?>
-<p:sld xmlns:a="http://schemas.openxmlformats.org/drawingml/2006/main" xmlns:r="http://schemas.openxmlformats.org/officeDocument/2006/relationships" xmlns:p="http://schemas.openxmlformats.org/presentationml/2006/main">
-  <p:cSld>
-    <p:spTree>
-      <p:nvGrpSpPr>
-        <p:cNvPr id="1" name=""/>
-        <p:cNvGrpSpPr/>
-        <p:nvPr/>
-      </p:nvGrpSpPr>
-      <p:grpSpPr>
-        <a:xfrm>
-          <a:off x="0" y="0"/>
-          <a:ext cx="0" cy="0"/>
-          <a:chOff x="0" y="0"/>
-          <a:chExt cx="0" cy="0"/>
-        </a:xfrm>
-      </p:grpSpPr>
-      <p:sp>
-        <p:nvSpPr>
-          <p:cNvPr id="3" name="Title 2"/>
-          <p:cNvSpPr>
-            <a:spLocks noGrp="1"/>
-          </p:cNvSpPr>
-          <p:nvPr>
-            <p:ph type="title"/>
-          </p:nvPr>
-        </p:nvSpPr>
-        <p:spPr/>
-        <p:txBody>
-          <a:bodyPr/>
-          <a:lstStyle/>
-          <a:p>
-            <a:r>
-              <a:rPr lang="en-US" dirty="0"/>
-              <a:t>The Power BI Service at </a:t>
-            </a:r>
-            <a:r>
-              <a:rPr lang="en-US" dirty="0">
-                <a:solidFill>
-                  <a:schemeClr val="accent2">
-                    <a:lumMod val="75000"/>
-                  </a:schemeClr>
-                </a:solidFill>
-              </a:rPr>
-              <a:t>PowerBI.com</a:t>
-            </a:r>
-            <a:r>
-              <a:rPr lang="en-US" dirty="0"/>
-              <a:t> </a:t>
-            </a:r>
-          </a:p>
-        </p:txBody>
-      </p:sp>
-      <p:sp>
-        <p:nvSpPr>
-          <p:cNvPr id="4" name="Content Placeholder 3"/>
-          <p:cNvSpPr>
-            <a:spLocks noGrp="1"/>
-          </p:cNvSpPr>
-          <p:nvPr>
-            <p:ph idx="1"/>
-          </p:nvPr>
-        </p:nvSpPr>
-        <p:spPr/>
-        <p:txBody>
-          <a:bodyPr>
-            <a:normAutofit/>
-          </a:bodyPr>
-          <a:lstStyle/>
-          <a:p>
-            <a:r>
-              <a:rPr lang="en-US" sz="2400" dirty="0"/>
-              <a:t>The Power BI service is accessible through browser</a:t>
-            </a:r>
-          </a:p>
-          <a:p>
-            <a:pPr lvl="1"/>
-            <a:r>
-              <a:rPr lang="en-US" sz="2000" dirty="0"/>
-              <a:t>Provides cloud-based foundation for Power BI platform</a:t>
-            </a:r>
-          </a:p>
-          <a:p>
-            <a:pPr lvl="1"/>
-            <a:r>
-              <a:rPr lang="en-US" sz="2000" dirty="0"/>
-              <a:t>Accessible through URL at </a:t>
-            </a:r>
-            <a:r>
-              <a:rPr lang="en-US" sz="2000" dirty="0">
-                <a:hlinkClick r:id="rId3"/>
-              </a:rPr>
-              <a:t>https://app.powerbi.com</a:t>
-            </a:r>
-            <a:endParaRPr lang="en-US" sz="2000" dirty="0"/>
-          </a:p>
-          <a:p>
-            <a:pPr lvl="1"/>
-            <a:r>
-              <a:rPr lang="en-US" sz="2000" dirty="0"/>
-              <a:t>Users require Office 365 accounts and Power BI Licenses</a:t>
-            </a:r>
-          </a:p>
-        </p:txBody>
-      </p:sp>
-      <p:pic>
-        <p:nvPicPr>
-          <p:cNvPr id="5" name="Picture 4"/>
-          <p:cNvPicPr>
-            <a:picLocks noChangeAspect="1"/>
-          </p:cNvPicPr>
-          <p:nvPr/>
-        </p:nvPicPr>
-        <p:blipFill>
-          <a:blip r:embed="rId4"/>
-          <a:stretch>
-            <a:fillRect/>
-          </a:stretch>
-        </p:blipFill>
-        <p:spPr>
-          <a:xfrm>
-            <a:off x="1219200" y="3124200"/>
-            <a:ext cx="6019800" cy="3383507"/>
-          </a:xfrm>
-          <a:prstGeom prst="rect">
-            <a:avLst/>
-          </a:prstGeom>
-          <a:ln w="19050">
-            <a:solidFill>
-              <a:schemeClr val="tx1"/>
-            </a:solidFill>
-          </a:ln>
-        </p:spPr>
-      </p:pic>
-    </p:spTree>
-    <p:extLst>
-      <p:ext uri="{BB962C8B-B14F-4D97-AF65-F5344CB8AC3E}">
-        <p14:creationId xmlns:p14="http://schemas.microsoft.com/office/powerpoint/2010/main" val="2555539601"/>
-      </p:ext>
-    </p:extLst>
-  </p:cSld>
-  <p:clrMapOvr>
-    <a:masterClrMapping/>
-  </p:clrMapOvr>
-</p:sld>
-</file>
-
-<file path=ppt/slides/slide5.xml><?xml version="1.0" encoding="utf-8"?>
 <p:sld xmlns:a="http://schemas.openxmlformats.org/drawingml/2006/main" xmlns:r="http://schemas.openxmlformats.org/officeDocument/2006/relationships" xmlns:p="http://schemas.openxmlformats.org/presentationml/2006/main">
   <p:cSld>
     <p:spTree>
@@ -9290,7 +8849,7 @@
 </p:sld>
 </file>
 
-<file path=ppt/slides/slide6.xml><?xml version="1.0" encoding="utf-8"?>
+<file path=ppt/slides/slide5.xml><?xml version="1.0" encoding="utf-8"?>
 <p:sld xmlns:a="http://schemas.openxmlformats.org/drawingml/2006/main" xmlns:r="http://schemas.openxmlformats.org/officeDocument/2006/relationships" xmlns:p="http://schemas.openxmlformats.org/presentationml/2006/main">
   <p:cSld>
     <p:spTree>
@@ -10198,7 +9757,7 @@
 </p:sld>
 </file>
 
-<file path=ppt/slides/slide7.xml><?xml version="1.0" encoding="utf-8"?>
+<file path=ppt/slides/slide6.xml><?xml version="1.0" encoding="utf-8"?>
 <p:sld xmlns:a="http://schemas.openxmlformats.org/drawingml/2006/main" xmlns:r="http://schemas.openxmlformats.org/officeDocument/2006/relationships" xmlns:p="http://schemas.openxmlformats.org/presentationml/2006/main">
   <p:cSld>
     <p:spTree>
@@ -10798,7 +10357,7 @@
 </p:sld>
 </file>
 
-<file path=ppt/slides/slide8.xml><?xml version="1.0" encoding="utf-8"?>
+<file path=ppt/slides/slide7.xml><?xml version="1.0" encoding="utf-8"?>
 <p:sld xmlns:a="http://schemas.openxmlformats.org/drawingml/2006/main" xmlns:r="http://schemas.openxmlformats.org/officeDocument/2006/relationships" xmlns:p="http://schemas.openxmlformats.org/presentationml/2006/main">
   <p:cSld>
     <p:spTree>
@@ -10923,7 +10482,7 @@
 </p:sld>
 </file>
 
-<file path=ppt/slides/slide9.xml><?xml version="1.0" encoding="utf-8"?>
+<file path=ppt/slides/slide8.xml><?xml version="1.0" encoding="utf-8"?>
 <p:sld xmlns:a="http://schemas.openxmlformats.org/drawingml/2006/main" xmlns:r="http://schemas.openxmlformats.org/officeDocument/2006/relationships" xmlns:p="http://schemas.openxmlformats.org/presentationml/2006/main">
   <p:cSld>
     <p:spTree>
@@ -11174,7 +10733,7 @@
               <a:pPr algn="ctr"/>
               <a:r>
                 <a:rPr lang="en-US" sz="2000" b="1" dirty="0"/>
-                <a:t>ELT</a:t>
+                <a:t>ETL</a:t>
               </a:r>
               <a:endParaRPr lang="en-US" b="1" dirty="0"/>
             </a:p>
@@ -11271,6 +10830,186 @@
     <p:extLst>
       <p:ext uri="{BB962C8B-B14F-4D97-AF65-F5344CB8AC3E}">
         <p14:creationId xmlns:p14="http://schemas.microsoft.com/office/powerpoint/2010/main" val="3424105867"/>
+      </p:ext>
+    </p:extLst>
+  </p:cSld>
+  <p:clrMapOvr>
+    <a:masterClrMapping/>
+  </p:clrMapOvr>
+</p:sld>
+</file>
+
+<file path=ppt/slides/slide9.xml><?xml version="1.0" encoding="utf-8"?>
+<p:sld xmlns:a="http://schemas.openxmlformats.org/drawingml/2006/main" xmlns:r="http://schemas.openxmlformats.org/officeDocument/2006/relationships" xmlns:p="http://schemas.openxmlformats.org/presentationml/2006/main">
+  <p:cSld>
+    <p:spTree>
+      <p:nvGrpSpPr>
+        <p:cNvPr id="1" name=""/>
+        <p:cNvGrpSpPr/>
+        <p:nvPr/>
+      </p:nvGrpSpPr>
+      <p:grpSpPr>
+        <a:xfrm>
+          <a:off x="0" y="0"/>
+          <a:ext cx="0" cy="0"/>
+          <a:chOff x="0" y="0"/>
+          <a:chExt cx="0" cy="0"/>
+        </a:xfrm>
+      </p:grpSpPr>
+      <p:sp>
+        <p:nvSpPr>
+          <p:cNvPr id="2" name="Title 1"/>
+          <p:cNvSpPr>
+            <a:spLocks noGrp="1"/>
+          </p:cNvSpPr>
+          <p:nvPr>
+            <p:ph type="title"/>
+          </p:nvPr>
+        </p:nvSpPr>
+        <p:spPr/>
+        <p:txBody>
+          <a:bodyPr/>
+          <a:lstStyle/>
+          <a:p>
+            <a:r>
+              <a:rPr lang="en-US" dirty="0"/>
+              <a:t>Projects and PBIX Files</a:t>
+            </a:r>
+          </a:p>
+        </p:txBody>
+      </p:sp>
+      <p:sp>
+        <p:nvSpPr>
+          <p:cNvPr id="3" name="Content Placeholder 2"/>
+          <p:cNvSpPr>
+            <a:spLocks noGrp="1"/>
+          </p:cNvSpPr>
+          <p:nvPr>
+            <p:ph idx="1"/>
+          </p:nvPr>
+        </p:nvSpPr>
+        <p:spPr/>
+        <p:txBody>
+          <a:bodyPr/>
+          <a:lstStyle/>
+          <a:p>
+            <a:r>
+              <a:rPr lang="en-US" dirty="0"/>
+              <a:t>Power BI Desktop projects saved using PBIX files</a:t>
+            </a:r>
+          </a:p>
+          <a:p>
+            <a:pPr lvl="1"/>
+            <a:r>
+              <a:rPr lang="en-US" dirty="0"/>
+              <a:t>PBIX file contains data source definitions</a:t>
+            </a:r>
+          </a:p>
+          <a:p>
+            <a:pPr lvl="1"/>
+            <a:r>
+              <a:rPr lang="en-US" dirty="0"/>
+              <a:t>PBIX file contains query definitions</a:t>
+            </a:r>
+          </a:p>
+          <a:p>
+            <a:pPr lvl="1"/>
+            <a:r>
+              <a:rPr lang="en-US" dirty="0"/>
+              <a:t>PBIX file contains data imported from queries</a:t>
+            </a:r>
+          </a:p>
+          <a:p>
+            <a:pPr lvl="1"/>
+            <a:r>
+              <a:rPr lang="en-US" dirty="0"/>
+              <a:t>PBIX file contains exactly one data model definition</a:t>
+            </a:r>
+          </a:p>
+          <a:p>
+            <a:pPr lvl="1"/>
+            <a:r>
+              <a:rPr lang="en-US" dirty="0"/>
+              <a:t>PBIX file contains exactly one report</a:t>
+            </a:r>
+          </a:p>
+          <a:p>
+            <a:pPr lvl="1"/>
+            <a:r>
+              <a:rPr lang="en-US" dirty="0"/>
+              <a:t>PBIX file never contains data source credentials</a:t>
+            </a:r>
+          </a:p>
+        </p:txBody>
+      </p:sp>
+      <p:pic>
+        <p:nvPicPr>
+          <p:cNvPr id="4" name="Picture 3"/>
+          <p:cNvPicPr>
+            <a:picLocks noChangeAspect="1"/>
+          </p:cNvPicPr>
+          <p:nvPr/>
+        </p:nvPicPr>
+        <p:blipFill>
+          <a:blip r:embed="rId3"/>
+          <a:stretch>
+            <a:fillRect/>
+          </a:stretch>
+        </p:blipFill>
+        <p:spPr>
+          <a:xfrm>
+            <a:off x="990600" y="4743153"/>
+            <a:ext cx="1164790" cy="1464077"/>
+          </a:xfrm>
+          <a:prstGeom prst="rect">
+            <a:avLst/>
+          </a:prstGeom>
+          <a:ln>
+            <a:solidFill>
+              <a:schemeClr val="tx1">
+                <a:lumMod val="50000"/>
+                <a:lumOff val="50000"/>
+              </a:schemeClr>
+            </a:solidFill>
+          </a:ln>
+        </p:spPr>
+      </p:pic>
+      <p:pic>
+        <p:nvPicPr>
+          <p:cNvPr id="5" name="Picture 4"/>
+          <p:cNvPicPr>
+            <a:picLocks noChangeAspect="1"/>
+          </p:cNvPicPr>
+          <p:nvPr/>
+        </p:nvPicPr>
+        <p:blipFill>
+          <a:blip r:embed="rId4"/>
+          <a:stretch>
+            <a:fillRect/>
+          </a:stretch>
+        </p:blipFill>
+        <p:spPr>
+          <a:xfrm>
+            <a:off x="2407006" y="4722371"/>
+            <a:ext cx="6104378" cy="1419099"/>
+          </a:xfrm>
+          <a:prstGeom prst="rect">
+            <a:avLst/>
+          </a:prstGeom>
+          <a:ln>
+            <a:solidFill>
+              <a:schemeClr val="tx1">
+                <a:lumMod val="50000"/>
+                <a:lumOff val="50000"/>
+              </a:schemeClr>
+            </a:solidFill>
+          </a:ln>
+        </p:spPr>
+      </p:pic>
+    </p:spTree>
+    <p:extLst>
+      <p:ext uri="{BB962C8B-B14F-4D97-AF65-F5344CB8AC3E}">
+        <p14:creationId xmlns:p14="http://schemas.microsoft.com/office/powerpoint/2010/main" val="3480918998"/>
       </p:ext>
     </p:extLst>
   </p:cSld>
@@ -12423,14 +12162,14 @@
 <file path=customXml/itemProps4.xml><?xml version="1.0" encoding="utf-8"?>
 <ds:datastoreItem xmlns:ds="http://schemas.openxmlformats.org/officeDocument/2006/customXml" ds:itemID="{A5547237-B119-45CA-BEFC-A2DA2BDB03E7}">
   <ds:schemaRefs>
+    <ds:schemaRef ds:uri="http://purl.org/dc/elements/1.1/"/>
+    <ds:schemaRef ds:uri="http://purl.org/dc/dcmitype/"/>
     <ds:schemaRef ds:uri="http://schemas.microsoft.com/office/2006/metadata/properties"/>
-    <ds:schemaRef ds:uri="http://purl.org/dc/elements/1.1/"/>
+    <ds:schemaRef ds:uri="http://schemas.microsoft.com/office/2006/documentManagement/types"/>
     <ds:schemaRef ds:uri="http://www.w3.org/XML/1998/namespace"/>
-    <ds:schemaRef ds:uri="http://purl.org/dc/dcmitype/"/>
-    <ds:schemaRef ds:uri="http://schemas.microsoft.com/office/2006/documentManagement/types"/>
+    <ds:schemaRef ds:uri="http://purl.org/dc/terms/"/>
+    <ds:schemaRef ds:uri="http://schemas.openxmlformats.org/package/2006/metadata/core-properties"/>
     <ds:schemaRef ds:uri="http://schemas.microsoft.com/office/infopath/2007/PartnerControls"/>
-    <ds:schemaRef ds:uri="http://schemas.openxmlformats.org/package/2006/metadata/core-properties"/>
-    <ds:schemaRef ds:uri="http://purl.org/dc/terms/"/>
   </ds:schemaRefs>
 </ds:datastoreItem>
 </file>